--- a/Summary Presentation.pptx
+++ b/Summary Presentation.pptx
@@ -3337,6 +3337,793 @@
           <a:chExt cx="0" cy="0"/>
         </a:xfrm>
       </p:grpSpPr>
+      <p:sp>
+        <p:nvSpPr>
+          <p:cNvPr id="2" name="TextBox 1">
+            <a:extLst>
+              <a:ext uri="{FF2B5EF4-FFF2-40B4-BE49-F238E27FC236}">
+                <a16:creationId xmlns:a16="http://schemas.microsoft.com/office/drawing/2014/main" id="{54E084BF-636E-4172-A29D-1219C25BC165}"/>
+              </a:ext>
+            </a:extLst>
+          </p:cNvPr>
+          <p:cNvSpPr txBox="1"/>
+          <p:nvPr/>
+        </p:nvSpPr>
+        <p:spPr>
+          <a:xfrm>
+            <a:off x="5456103" y="3244334"/>
+            <a:ext cx="1279793" cy="369332"/>
+          </a:xfrm>
+          <a:prstGeom prst="rect">
+            <a:avLst/>
+          </a:prstGeom>
+        </p:spPr>
+        <p:style>
+          <a:lnRef idx="2">
+            <a:schemeClr val="accent1"/>
+          </a:lnRef>
+          <a:fillRef idx="1">
+            <a:schemeClr val="lt1"/>
+          </a:fillRef>
+          <a:effectRef idx="0">
+            <a:schemeClr val="accent1"/>
+          </a:effectRef>
+          <a:fontRef idx="minor">
+            <a:schemeClr val="dk1"/>
+          </a:fontRef>
+        </p:style>
+        <p:txBody>
+          <a:bodyPr wrap="square" rtlCol="0">
+            <a:spAutoFit/>
+          </a:bodyPr>
+          <a:lstStyle/>
+          <a:p>
+            <a:pPr algn="ctr"/>
+            <a:r>
+              <a:rPr lang="en-US" dirty="0"/>
+              <a:t>Jenkins CI</a:t>
+            </a:r>
+          </a:p>
+        </p:txBody>
+      </p:sp>
+      <p:sp>
+        <p:nvSpPr>
+          <p:cNvPr id="3" name="TextBox 2">
+            <a:extLst>
+              <a:ext uri="{FF2B5EF4-FFF2-40B4-BE49-F238E27FC236}">
+                <a16:creationId xmlns:a16="http://schemas.microsoft.com/office/drawing/2014/main" id="{F8F5D633-B8C6-4CBC-8262-6E430A5E0952}"/>
+              </a:ext>
+            </a:extLst>
+          </p:cNvPr>
+          <p:cNvSpPr txBox="1"/>
+          <p:nvPr/>
+        </p:nvSpPr>
+        <p:spPr>
+          <a:xfrm>
+            <a:off x="1236642" y="3982464"/>
+            <a:ext cx="1279793" cy="369332"/>
+          </a:xfrm>
+          <a:prstGeom prst="rect">
+            <a:avLst/>
+          </a:prstGeom>
+        </p:spPr>
+        <p:style>
+          <a:lnRef idx="2">
+            <a:schemeClr val="accent1"/>
+          </a:lnRef>
+          <a:fillRef idx="1">
+            <a:schemeClr val="lt1"/>
+          </a:fillRef>
+          <a:effectRef idx="0">
+            <a:schemeClr val="accent1"/>
+          </a:effectRef>
+          <a:fontRef idx="minor">
+            <a:schemeClr val="dk1"/>
+          </a:fontRef>
+        </p:style>
+        <p:txBody>
+          <a:bodyPr wrap="square" rtlCol="0">
+            <a:spAutoFit/>
+          </a:bodyPr>
+          <a:lstStyle/>
+          <a:p>
+            <a:pPr algn="ctr"/>
+            <a:r>
+              <a:rPr lang="en-US" dirty="0"/>
+              <a:t>Source</a:t>
+            </a:r>
+          </a:p>
+        </p:txBody>
+      </p:sp>
+      <p:sp>
+        <p:nvSpPr>
+          <p:cNvPr id="4" name="TextBox 3">
+            <a:extLst>
+              <a:ext uri="{FF2B5EF4-FFF2-40B4-BE49-F238E27FC236}">
+                <a16:creationId xmlns:a16="http://schemas.microsoft.com/office/drawing/2014/main" id="{6C28F65D-0E2F-4567-AA93-C41F2E743BAD}"/>
+              </a:ext>
+            </a:extLst>
+          </p:cNvPr>
+          <p:cNvSpPr txBox="1"/>
+          <p:nvPr/>
+        </p:nvSpPr>
+        <p:spPr>
+          <a:xfrm>
+            <a:off x="1236641" y="1977394"/>
+            <a:ext cx="1279793" cy="369332"/>
+          </a:xfrm>
+          <a:prstGeom prst="rect">
+            <a:avLst/>
+          </a:prstGeom>
+        </p:spPr>
+        <p:style>
+          <a:lnRef idx="2">
+            <a:schemeClr val="accent1"/>
+          </a:lnRef>
+          <a:fillRef idx="1">
+            <a:schemeClr val="lt1"/>
+          </a:fillRef>
+          <a:effectRef idx="0">
+            <a:schemeClr val="accent1"/>
+          </a:effectRef>
+          <a:fontRef idx="minor">
+            <a:schemeClr val="dk1"/>
+          </a:fontRef>
+        </p:style>
+        <p:txBody>
+          <a:bodyPr wrap="square" rtlCol="0">
+            <a:spAutoFit/>
+          </a:bodyPr>
+          <a:lstStyle/>
+          <a:p>
+            <a:pPr algn="ctr"/>
+            <a:r>
+              <a:rPr lang="en-US" dirty="0"/>
+              <a:t>SCM: git</a:t>
+            </a:r>
+          </a:p>
+        </p:txBody>
+      </p:sp>
+      <p:sp>
+        <p:nvSpPr>
+          <p:cNvPr id="5" name="TextBox 4">
+            <a:extLst>
+              <a:ext uri="{FF2B5EF4-FFF2-40B4-BE49-F238E27FC236}">
+                <a16:creationId xmlns:a16="http://schemas.microsoft.com/office/drawing/2014/main" id="{DD5774B7-DB38-4181-A73E-04E74C135A4A}"/>
+              </a:ext>
+            </a:extLst>
+          </p:cNvPr>
+          <p:cNvSpPr txBox="1"/>
+          <p:nvPr/>
+        </p:nvSpPr>
+        <p:spPr>
+          <a:xfrm>
+            <a:off x="2516434" y="4042925"/>
+            <a:ext cx="825867" cy="261610"/>
+          </a:xfrm>
+          <a:prstGeom prst="rect">
+            <a:avLst/>
+          </a:prstGeom>
+          <a:noFill/>
+        </p:spPr>
+        <p:txBody>
+          <a:bodyPr wrap="none" rtlCol="0">
+            <a:spAutoFit/>
+          </a:bodyPr>
+          <a:lstStyle/>
+          <a:p>
+            <a:r>
+              <a:rPr lang="en-US" sz="1100" dirty="0"/>
+              <a:t>Vs.net Tool</a:t>
+            </a:r>
+          </a:p>
+        </p:txBody>
+      </p:sp>
+      <p:cxnSp>
+        <p:nvCxnSpPr>
+          <p:cNvPr id="7" name="Straight Arrow Connector 6">
+            <a:extLst>
+              <a:ext uri="{FF2B5EF4-FFF2-40B4-BE49-F238E27FC236}">
+                <a16:creationId xmlns:a16="http://schemas.microsoft.com/office/drawing/2014/main" id="{429D28CB-F7D6-404A-8E80-AAEEB4EC0818}"/>
+              </a:ext>
+            </a:extLst>
+          </p:cNvPr>
+          <p:cNvCxnSpPr>
+            <a:endCxn id="3" idx="0"/>
+          </p:cNvCxnSpPr>
+          <p:nvPr/>
+        </p:nvCxnSpPr>
+        <p:spPr>
+          <a:xfrm>
+            <a:off x="1876537" y="2346726"/>
+            <a:ext cx="2" cy="1635738"/>
+          </a:xfrm>
+          <a:prstGeom prst="straightConnector1">
+            <a:avLst/>
+          </a:prstGeom>
+          <a:ln>
+            <a:headEnd type="triangle"/>
+            <a:tailEnd type="triangle"/>
+          </a:ln>
+        </p:spPr>
+        <p:style>
+          <a:lnRef idx="1">
+            <a:schemeClr val="accent1"/>
+          </a:lnRef>
+          <a:fillRef idx="0">
+            <a:schemeClr val="accent1"/>
+          </a:fillRef>
+          <a:effectRef idx="0">
+            <a:schemeClr val="accent1"/>
+          </a:effectRef>
+          <a:fontRef idx="minor">
+            <a:schemeClr val="tx1"/>
+          </a:fontRef>
+        </p:style>
+      </p:cxnSp>
+      <p:sp>
+        <p:nvSpPr>
+          <p:cNvPr id="8" name="TextBox 7">
+            <a:extLst>
+              <a:ext uri="{FF2B5EF4-FFF2-40B4-BE49-F238E27FC236}">
+                <a16:creationId xmlns:a16="http://schemas.microsoft.com/office/drawing/2014/main" id="{5792D048-FE1F-43E1-BEE5-2FBBB4C09D36}"/>
+              </a:ext>
+            </a:extLst>
+          </p:cNvPr>
+          <p:cNvSpPr txBox="1"/>
+          <p:nvPr/>
+        </p:nvSpPr>
+        <p:spPr>
+          <a:xfrm>
+            <a:off x="1690567" y="4412257"/>
+            <a:ext cx="1095172" cy="430887"/>
+          </a:xfrm>
+          <a:prstGeom prst="rect">
+            <a:avLst/>
+          </a:prstGeom>
+          <a:noFill/>
+        </p:spPr>
+        <p:txBody>
+          <a:bodyPr wrap="none" rtlCol="0">
+            <a:spAutoFit/>
+          </a:bodyPr>
+          <a:lstStyle/>
+          <a:p>
+            <a:pPr marL="171450" indent="-171450">
+              <a:buFont typeface="Arial" panose="020B0604020202020204" pitchFamily="34" charset="0"/>
+              <a:buChar char="•"/>
+            </a:pPr>
+            <a:r>
+              <a:rPr lang="en-US" sz="1100" dirty="0"/>
+              <a:t>Actual Code</a:t>
+            </a:r>
+          </a:p>
+          <a:p>
+            <a:pPr marL="171450" indent="-171450">
+              <a:buFont typeface="Arial" panose="020B0604020202020204" pitchFamily="34" charset="0"/>
+              <a:buChar char="•"/>
+            </a:pPr>
+            <a:r>
+              <a:rPr lang="en-US" sz="1100" dirty="0"/>
+              <a:t>Testing Code</a:t>
+            </a:r>
+          </a:p>
+        </p:txBody>
+      </p:sp>
+      <p:sp>
+        <p:nvSpPr>
+          <p:cNvPr id="9" name="TextBox 8">
+            <a:extLst>
+              <a:ext uri="{FF2B5EF4-FFF2-40B4-BE49-F238E27FC236}">
+                <a16:creationId xmlns:a16="http://schemas.microsoft.com/office/drawing/2014/main" id="{13489CA3-1F50-49FA-B92B-31CA8035E5D3}"/>
+              </a:ext>
+            </a:extLst>
+          </p:cNvPr>
+          <p:cNvSpPr txBox="1"/>
+          <p:nvPr/>
+        </p:nvSpPr>
+        <p:spPr>
+          <a:xfrm>
+            <a:off x="1898156" y="2736268"/>
+            <a:ext cx="1521570" cy="261610"/>
+          </a:xfrm>
+          <a:prstGeom prst="rect">
+            <a:avLst/>
+          </a:prstGeom>
+          <a:noFill/>
+        </p:spPr>
+        <p:txBody>
+          <a:bodyPr wrap="none" rtlCol="0">
+            <a:spAutoFit/>
+          </a:bodyPr>
+          <a:lstStyle/>
+          <a:p>
+            <a:r>
+              <a:rPr lang="en-US" sz="1100" dirty="0"/>
+              <a:t>.git/hooks/post-receive</a:t>
+            </a:r>
+          </a:p>
+        </p:txBody>
+      </p:sp>
+      <p:sp>
+        <p:nvSpPr>
+          <p:cNvPr id="12" name="TextBox 11">
+            <a:extLst>
+              <a:ext uri="{FF2B5EF4-FFF2-40B4-BE49-F238E27FC236}">
+                <a16:creationId xmlns:a16="http://schemas.microsoft.com/office/drawing/2014/main" id="{3CD6D680-B1FF-4A78-ACFB-62DCC82B37F5}"/>
+              </a:ext>
+            </a:extLst>
+          </p:cNvPr>
+          <p:cNvSpPr txBox="1"/>
+          <p:nvPr/>
+        </p:nvSpPr>
+        <p:spPr>
+          <a:xfrm>
+            <a:off x="1236641" y="4896881"/>
+            <a:ext cx="1936749" cy="246221"/>
+          </a:xfrm>
+          <a:prstGeom prst="rect">
+            <a:avLst/>
+          </a:prstGeom>
+        </p:spPr>
+        <p:style>
+          <a:lnRef idx="1">
+            <a:schemeClr val="accent4"/>
+          </a:lnRef>
+          <a:fillRef idx="2">
+            <a:schemeClr val="accent4"/>
+          </a:fillRef>
+          <a:effectRef idx="1">
+            <a:schemeClr val="accent4"/>
+          </a:effectRef>
+          <a:fontRef idx="minor">
+            <a:schemeClr val="dk1"/>
+          </a:fontRef>
+        </p:style>
+        <p:txBody>
+          <a:bodyPr wrap="none" rtlCol="0">
+            <a:spAutoFit/>
+          </a:bodyPr>
+          <a:lstStyle/>
+          <a:p>
+            <a:r>
+              <a:rPr lang="en-US" sz="1000" dirty="0"/>
+              <a:t>1. Should Build / Test Successfully</a:t>
+            </a:r>
+          </a:p>
+        </p:txBody>
+      </p:sp>
+      <p:sp>
+        <p:nvSpPr>
+          <p:cNvPr id="13" name="TextBox 12">
+            <a:extLst>
+              <a:ext uri="{FF2B5EF4-FFF2-40B4-BE49-F238E27FC236}">
+                <a16:creationId xmlns:a16="http://schemas.microsoft.com/office/drawing/2014/main" id="{5782E723-01F2-401D-B368-4F13945123E1}"/>
+              </a:ext>
+            </a:extLst>
+          </p:cNvPr>
+          <p:cNvSpPr txBox="1"/>
+          <p:nvPr/>
+        </p:nvSpPr>
+        <p:spPr>
+          <a:xfrm>
+            <a:off x="1258265" y="3121223"/>
+            <a:ext cx="1279781" cy="246221"/>
+          </a:xfrm>
+          <a:prstGeom prst="rect">
+            <a:avLst/>
+          </a:prstGeom>
+        </p:spPr>
+        <p:style>
+          <a:lnRef idx="1">
+            <a:schemeClr val="accent4"/>
+          </a:lnRef>
+          <a:fillRef idx="2">
+            <a:schemeClr val="accent4"/>
+          </a:fillRef>
+          <a:effectRef idx="1">
+            <a:schemeClr val="accent4"/>
+          </a:effectRef>
+          <a:fontRef idx="minor">
+            <a:schemeClr val="dk1"/>
+          </a:fontRef>
+        </p:style>
+        <p:txBody>
+          <a:bodyPr wrap="square" rtlCol="0">
+            <a:spAutoFit/>
+          </a:bodyPr>
+          <a:lstStyle/>
+          <a:p>
+            <a:r>
+              <a:rPr lang="en-US" sz="1000" dirty="0"/>
+              <a:t>2. Commit &amp; Push</a:t>
+            </a:r>
+          </a:p>
+        </p:txBody>
+      </p:sp>
+      <p:cxnSp>
+        <p:nvCxnSpPr>
+          <p:cNvPr id="22" name="Straight Arrow Connector 21">
+            <a:extLst>
+              <a:ext uri="{FF2B5EF4-FFF2-40B4-BE49-F238E27FC236}">
+                <a16:creationId xmlns:a16="http://schemas.microsoft.com/office/drawing/2014/main" id="{02C8105F-D53A-4F46-8AA8-D40AEA845815}"/>
+              </a:ext>
+            </a:extLst>
+          </p:cNvPr>
+          <p:cNvCxnSpPr>
+            <a:stCxn id="4" idx="3"/>
+            <a:endCxn id="2" idx="0"/>
+          </p:cNvCxnSpPr>
+          <p:nvPr/>
+        </p:nvCxnSpPr>
+        <p:spPr>
+          <a:xfrm>
+            <a:off x="2516434" y="2162060"/>
+            <a:ext cx="3579566" cy="1082274"/>
+          </a:xfrm>
+          <a:prstGeom prst="straightConnector1">
+            <a:avLst/>
+          </a:prstGeom>
+          <a:ln w="9525" cap="flat" cmpd="sng" algn="ctr">
+            <a:solidFill>
+              <a:schemeClr val="accent6"/>
+            </a:solidFill>
+            <a:prstDash val="dash"/>
+            <a:round/>
+            <a:headEnd type="none" w="med" len="med"/>
+            <a:tailEnd type="none" w="med" len="med"/>
+          </a:ln>
+        </p:spPr>
+        <p:style>
+          <a:lnRef idx="0">
+            <a:scrgbClr r="0" g="0" b="0"/>
+          </a:lnRef>
+          <a:fillRef idx="0">
+            <a:scrgbClr r="0" g="0" b="0"/>
+          </a:fillRef>
+          <a:effectRef idx="0">
+            <a:scrgbClr r="0" g="0" b="0"/>
+          </a:effectRef>
+          <a:fontRef idx="minor">
+            <a:schemeClr val="tx1"/>
+          </a:fontRef>
+        </p:style>
+      </p:cxnSp>
+      <p:sp>
+        <p:nvSpPr>
+          <p:cNvPr id="23" name="TextBox 22">
+            <a:extLst>
+              <a:ext uri="{FF2B5EF4-FFF2-40B4-BE49-F238E27FC236}">
+                <a16:creationId xmlns:a16="http://schemas.microsoft.com/office/drawing/2014/main" id="{6E3373E6-40DC-4DCD-84BF-6D90EEC51DC1}"/>
+              </a:ext>
+            </a:extLst>
+          </p:cNvPr>
+          <p:cNvSpPr txBox="1"/>
+          <p:nvPr/>
+        </p:nvSpPr>
+        <p:spPr>
+          <a:xfrm>
+            <a:off x="3601136" y="2572392"/>
+            <a:ext cx="2313454" cy="261610"/>
+          </a:xfrm>
+          <a:prstGeom prst="rect">
+            <a:avLst/>
+          </a:prstGeom>
+          <a:noFill/>
+        </p:spPr>
+        <p:txBody>
+          <a:bodyPr wrap="none" rtlCol="0">
+            <a:spAutoFit/>
+          </a:bodyPr>
+          <a:lstStyle/>
+          <a:p>
+            <a:r>
+              <a:rPr lang="en-US" sz="1100" dirty="0"/>
+              <a:t>Registered git </a:t>
+            </a:r>
+            <a:r>
+              <a:rPr lang="en-US" sz="1100" dirty="0" err="1"/>
+              <a:t>url</a:t>
+            </a:r>
+            <a:r>
+              <a:rPr lang="en-US" sz="1100" dirty="0"/>
+              <a:t> with authentication</a:t>
+            </a:r>
+          </a:p>
+        </p:txBody>
+      </p:sp>
+      <p:cxnSp>
+        <p:nvCxnSpPr>
+          <p:cNvPr id="25" name="Connector: Elbow 24">
+            <a:extLst>
+              <a:ext uri="{FF2B5EF4-FFF2-40B4-BE49-F238E27FC236}">
+                <a16:creationId xmlns:a16="http://schemas.microsoft.com/office/drawing/2014/main" id="{9F607EA3-36C1-407E-BC25-77397BBD200D}"/>
+              </a:ext>
+            </a:extLst>
+          </p:cNvPr>
+          <p:cNvCxnSpPr>
+            <a:cxnSpLocks/>
+            <a:stCxn id="9" idx="2"/>
+            <a:endCxn id="2" idx="1"/>
+          </p:cNvCxnSpPr>
+          <p:nvPr/>
+        </p:nvCxnSpPr>
+        <p:spPr>
+          <a:xfrm rot="16200000" flipH="1">
+            <a:off x="3841961" y="1814858"/>
+            <a:ext cx="431122" cy="2797162"/>
+          </a:xfrm>
+          <a:prstGeom prst="bentConnector2">
+            <a:avLst/>
+          </a:prstGeom>
+          <a:ln>
+            <a:tailEnd type="triangle"/>
+          </a:ln>
+        </p:spPr>
+        <p:style>
+          <a:lnRef idx="1">
+            <a:schemeClr val="accent1"/>
+          </a:lnRef>
+          <a:fillRef idx="0">
+            <a:schemeClr val="accent1"/>
+          </a:fillRef>
+          <a:effectRef idx="0">
+            <a:schemeClr val="accent1"/>
+          </a:effectRef>
+          <a:fontRef idx="minor">
+            <a:schemeClr val="tx1"/>
+          </a:fontRef>
+        </p:style>
+      </p:cxnSp>
+      <p:sp>
+        <p:nvSpPr>
+          <p:cNvPr id="30" name="TextBox 29">
+            <a:extLst>
+              <a:ext uri="{FF2B5EF4-FFF2-40B4-BE49-F238E27FC236}">
+                <a16:creationId xmlns:a16="http://schemas.microsoft.com/office/drawing/2014/main" id="{A35A0600-0C2F-4B3D-AC4B-6B7563E4CF2E}"/>
+              </a:ext>
+            </a:extLst>
+          </p:cNvPr>
+          <p:cNvSpPr txBox="1"/>
+          <p:nvPr/>
+        </p:nvSpPr>
+        <p:spPr>
+          <a:xfrm>
+            <a:off x="3601136" y="3462070"/>
+            <a:ext cx="1529586" cy="261610"/>
+          </a:xfrm>
+          <a:prstGeom prst="rect">
+            <a:avLst/>
+          </a:prstGeom>
+          <a:noFill/>
+        </p:spPr>
+        <p:txBody>
+          <a:bodyPr wrap="none" rtlCol="0">
+            <a:spAutoFit/>
+          </a:bodyPr>
+          <a:lstStyle/>
+          <a:p>
+            <a:r>
+              <a:rPr lang="en-US" sz="1100" dirty="0"/>
+              <a:t>Trigger build on Jenkins</a:t>
+            </a:r>
+          </a:p>
+        </p:txBody>
+      </p:sp>
+      <p:sp>
+        <p:nvSpPr>
+          <p:cNvPr id="32" name="Double Brace 31">
+            <a:extLst>
+              <a:ext uri="{FF2B5EF4-FFF2-40B4-BE49-F238E27FC236}">
+                <a16:creationId xmlns:a16="http://schemas.microsoft.com/office/drawing/2014/main" id="{6AABC622-2730-4EB2-AD1C-10B51C6C9ABC}"/>
+              </a:ext>
+            </a:extLst>
+          </p:cNvPr>
+          <p:cNvSpPr/>
+          <p:nvPr/>
+        </p:nvSpPr>
+        <p:spPr>
+          <a:xfrm>
+            <a:off x="6835967" y="2543343"/>
+            <a:ext cx="2396152" cy="1775658"/>
+          </a:xfrm>
+          <a:prstGeom prst="bracePair">
+            <a:avLst/>
+          </a:prstGeom>
+        </p:spPr>
+        <p:style>
+          <a:lnRef idx="1">
+            <a:schemeClr val="accent1"/>
+          </a:lnRef>
+          <a:fillRef idx="0">
+            <a:schemeClr val="accent1"/>
+          </a:fillRef>
+          <a:effectRef idx="0">
+            <a:schemeClr val="accent1"/>
+          </a:effectRef>
+          <a:fontRef idx="minor">
+            <a:schemeClr val="tx1"/>
+          </a:fontRef>
+        </p:style>
+        <p:txBody>
+          <a:bodyPr rtlCol="0" anchor="ctr"/>
+          <a:lstStyle/>
+          <a:p>
+            <a:r>
+              <a:rPr lang="en-US" sz="1000" b="1" dirty="0">
+                <a:solidFill>
+                  <a:srgbClr val="FF0000"/>
+                </a:solidFill>
+              </a:rPr>
+              <a:t>Source Code Management</a:t>
+            </a:r>
+          </a:p>
+          <a:p>
+            <a:r>
+              <a:rPr lang="en-US" sz="1000" dirty="0"/>
+              <a:t>SCM registration</a:t>
+            </a:r>
+          </a:p>
+          <a:p>
+            <a:r>
+              <a:rPr lang="en-US" sz="1000" b="1" dirty="0">
+                <a:solidFill>
+                  <a:srgbClr val="FF0000"/>
+                </a:solidFill>
+              </a:rPr>
+              <a:t>Build Triggers</a:t>
+            </a:r>
+            <a:r>
+              <a:rPr lang="en-US" sz="1000" b="1" dirty="0"/>
+              <a:t>: </a:t>
+            </a:r>
+            <a:r>
+              <a:rPr lang="en-US" sz="1000" dirty="0"/>
+              <a:t>On building, poll source from repository</a:t>
+            </a:r>
+          </a:p>
+          <a:p>
+            <a:r>
+              <a:rPr lang="en-US" sz="1000" b="1" dirty="0">
+                <a:solidFill>
+                  <a:srgbClr val="FF0000"/>
+                </a:solidFill>
+              </a:rPr>
+              <a:t>Build</a:t>
+            </a:r>
+            <a:r>
+              <a:rPr lang="en-US" sz="1000" b="1" dirty="0"/>
+              <a:t> </a:t>
+            </a:r>
+            <a:r>
+              <a:rPr lang="en-US" sz="1000" dirty="0"/>
+              <a:t>: build steps</a:t>
+            </a:r>
+          </a:p>
+        </p:txBody>
+      </p:sp>
+      <p:sp>
+        <p:nvSpPr>
+          <p:cNvPr id="33" name="TextBox 32">
+            <a:extLst>
+              <a:ext uri="{FF2B5EF4-FFF2-40B4-BE49-F238E27FC236}">
+                <a16:creationId xmlns:a16="http://schemas.microsoft.com/office/drawing/2014/main" id="{886E8CEA-2B7A-4CAA-A078-2ADB8DB33252}"/>
+              </a:ext>
+            </a:extLst>
+          </p:cNvPr>
+          <p:cNvSpPr txBox="1"/>
+          <p:nvPr/>
+        </p:nvSpPr>
+        <p:spPr>
+          <a:xfrm>
+            <a:off x="7215549" y="2215921"/>
+            <a:ext cx="1636987" cy="261610"/>
+          </a:xfrm>
+          <a:prstGeom prst="rect">
+            <a:avLst/>
+          </a:prstGeom>
+          <a:noFill/>
+        </p:spPr>
+        <p:txBody>
+          <a:bodyPr wrap="none" rtlCol="0">
+            <a:spAutoFit/>
+          </a:bodyPr>
+          <a:lstStyle/>
+          <a:p>
+            <a:r>
+              <a:rPr lang="en-US" sz="1100" dirty="0"/>
+              <a:t>Project setting on Jenkins</a:t>
+            </a:r>
+          </a:p>
+        </p:txBody>
+      </p:sp>
+      <p:sp>
+        <p:nvSpPr>
+          <p:cNvPr id="18" name="TextBox 17">
+            <a:extLst>
+              <a:ext uri="{FF2B5EF4-FFF2-40B4-BE49-F238E27FC236}">
+                <a16:creationId xmlns:a16="http://schemas.microsoft.com/office/drawing/2014/main" id="{EACC21BA-C035-4168-9DF5-323234DBDE80}"/>
+              </a:ext>
+            </a:extLst>
+          </p:cNvPr>
+          <p:cNvSpPr txBox="1"/>
+          <p:nvPr/>
+        </p:nvSpPr>
+        <p:spPr>
+          <a:xfrm>
+            <a:off x="406983" y="5858558"/>
+            <a:ext cx="11557335" cy="707886"/>
+          </a:xfrm>
+          <a:prstGeom prst="rect">
+            <a:avLst/>
+          </a:prstGeom>
+        </p:spPr>
+        <p:style>
+          <a:lnRef idx="2">
+            <a:schemeClr val="accent2"/>
+          </a:lnRef>
+          <a:fillRef idx="1">
+            <a:schemeClr val="lt1"/>
+          </a:fillRef>
+          <a:effectRef idx="0">
+            <a:schemeClr val="accent2"/>
+          </a:effectRef>
+          <a:fontRef idx="minor">
+            <a:schemeClr val="dk1"/>
+          </a:fontRef>
+        </p:style>
+        <p:txBody>
+          <a:bodyPr wrap="square" rtlCol="0">
+            <a:spAutoFit/>
+          </a:bodyPr>
+          <a:lstStyle/>
+          <a:p>
+            <a:pPr marL="171450" indent="-171450">
+              <a:buFont typeface="Arial" panose="020B0604020202020204" pitchFamily="34" charset="0"/>
+              <a:buChar char="•"/>
+            </a:pPr>
+            <a:r>
+              <a:rPr lang="en-US" sz="1000" b="1" dirty="0"/>
+              <a:t>Trigger Build on Jenkins</a:t>
+            </a:r>
+          </a:p>
+          <a:p>
+            <a:pPr lvl="1"/>
+            <a:r>
+              <a:rPr lang="en-US" sz="1000" b="1" dirty="0"/>
+              <a:t>curl</a:t>
+            </a:r>
+            <a:r>
+              <a:rPr lang="en-US" sz="1000" dirty="0"/>
+              <a:t> </a:t>
+            </a:r>
+            <a:r>
+              <a:rPr lang="en-US" sz="1000" dirty="0">
+                <a:hlinkClick r:id="rId2"/>
+              </a:rPr>
+              <a:t>http://localhost:7070/git/notifyCommit?url=https://github.com/jinibyun/jenkins-example.git</a:t>
+            </a:r>
+            <a:endParaRPr lang="en-US" sz="1000" dirty="0"/>
+          </a:p>
+          <a:p>
+            <a:pPr marL="171450" indent="-171450">
+              <a:buFont typeface="Arial" panose="020B0604020202020204" pitchFamily="34" charset="0"/>
+              <a:buChar char="•"/>
+            </a:pPr>
+            <a:r>
+              <a:rPr lang="en-US" sz="1000" dirty="0"/>
+              <a:t>Download Curl and Nuget.exe</a:t>
+            </a:r>
+          </a:p>
+          <a:p>
+            <a:pPr marL="171450" indent="-171450">
+              <a:buFont typeface="Arial" panose="020B0604020202020204" pitchFamily="34" charset="0"/>
+              <a:buChar char="•"/>
+            </a:pPr>
+            <a:endParaRPr lang="en-US" sz="1000" dirty="0"/>
+          </a:p>
+        </p:txBody>
+      </p:sp>
     </p:spTree>
     <p:extLst>
       <p:ext uri="{BB962C8B-B14F-4D97-AF65-F5344CB8AC3E}">

--- a/Summary Presentation.pptx
+++ b/Summary Presentation.pptx
@@ -270,7 +270,7 @@
           <a:p>
             <a:fld id="{A1AAB09C-AE0C-4AD2-B140-4D16C012023D}" type="datetimeFigureOut">
               <a:rPr lang="en-US" smtClean="0"/>
-              <a:t>3/12/2018</a:t>
+              <a:t>3/14/2018</a:t>
             </a:fld>
             <a:endParaRPr lang="en-US"/>
           </a:p>
@@ -468,7 +468,7 @@
           <a:p>
             <a:fld id="{A1AAB09C-AE0C-4AD2-B140-4D16C012023D}" type="datetimeFigureOut">
               <a:rPr lang="en-US" smtClean="0"/>
-              <a:t>3/12/2018</a:t>
+              <a:t>3/14/2018</a:t>
             </a:fld>
             <a:endParaRPr lang="en-US"/>
           </a:p>
@@ -676,7 +676,7 @@
           <a:p>
             <a:fld id="{A1AAB09C-AE0C-4AD2-B140-4D16C012023D}" type="datetimeFigureOut">
               <a:rPr lang="en-US" smtClean="0"/>
-              <a:t>3/12/2018</a:t>
+              <a:t>3/14/2018</a:t>
             </a:fld>
             <a:endParaRPr lang="en-US"/>
           </a:p>
@@ -874,7 +874,7 @@
           <a:p>
             <a:fld id="{A1AAB09C-AE0C-4AD2-B140-4D16C012023D}" type="datetimeFigureOut">
               <a:rPr lang="en-US" smtClean="0"/>
-              <a:t>3/12/2018</a:t>
+              <a:t>3/14/2018</a:t>
             </a:fld>
             <a:endParaRPr lang="en-US"/>
           </a:p>
@@ -1149,7 +1149,7 @@
           <a:p>
             <a:fld id="{A1AAB09C-AE0C-4AD2-B140-4D16C012023D}" type="datetimeFigureOut">
               <a:rPr lang="en-US" smtClean="0"/>
-              <a:t>3/12/2018</a:t>
+              <a:t>3/14/2018</a:t>
             </a:fld>
             <a:endParaRPr lang="en-US"/>
           </a:p>
@@ -1414,7 +1414,7 @@
           <a:p>
             <a:fld id="{A1AAB09C-AE0C-4AD2-B140-4D16C012023D}" type="datetimeFigureOut">
               <a:rPr lang="en-US" smtClean="0"/>
-              <a:t>3/12/2018</a:t>
+              <a:t>3/14/2018</a:t>
             </a:fld>
             <a:endParaRPr lang="en-US"/>
           </a:p>
@@ -1826,7 +1826,7 @@
           <a:p>
             <a:fld id="{A1AAB09C-AE0C-4AD2-B140-4D16C012023D}" type="datetimeFigureOut">
               <a:rPr lang="en-US" smtClean="0"/>
-              <a:t>3/12/2018</a:t>
+              <a:t>3/14/2018</a:t>
             </a:fld>
             <a:endParaRPr lang="en-US"/>
           </a:p>
@@ -1967,7 +1967,7 @@
           <a:p>
             <a:fld id="{A1AAB09C-AE0C-4AD2-B140-4D16C012023D}" type="datetimeFigureOut">
               <a:rPr lang="en-US" smtClean="0"/>
-              <a:t>3/12/2018</a:t>
+              <a:t>3/14/2018</a:t>
             </a:fld>
             <a:endParaRPr lang="en-US"/>
           </a:p>
@@ -2080,7 +2080,7 @@
           <a:p>
             <a:fld id="{A1AAB09C-AE0C-4AD2-B140-4D16C012023D}" type="datetimeFigureOut">
               <a:rPr lang="en-US" smtClean="0"/>
-              <a:t>3/12/2018</a:t>
+              <a:t>3/14/2018</a:t>
             </a:fld>
             <a:endParaRPr lang="en-US"/>
           </a:p>
@@ -2391,7 +2391,7 @@
           <a:p>
             <a:fld id="{A1AAB09C-AE0C-4AD2-B140-4D16C012023D}" type="datetimeFigureOut">
               <a:rPr lang="en-US" smtClean="0"/>
-              <a:t>3/12/2018</a:t>
+              <a:t>3/14/2018</a:t>
             </a:fld>
             <a:endParaRPr lang="en-US"/>
           </a:p>
@@ -2679,7 +2679,7 @@
           <a:p>
             <a:fld id="{A1AAB09C-AE0C-4AD2-B140-4D16C012023D}" type="datetimeFigureOut">
               <a:rPr lang="en-US" smtClean="0"/>
-              <a:t>3/12/2018</a:t>
+              <a:t>3/14/2018</a:t>
             </a:fld>
             <a:endParaRPr lang="en-US"/>
           </a:p>
@@ -2920,7 +2920,7 @@
           <a:p>
             <a:fld id="{A1AAB09C-AE0C-4AD2-B140-4D16C012023D}" type="datetimeFigureOut">
               <a:rPr lang="en-US" smtClean="0"/>
-              <a:t>3/12/2018</a:t>
+              <a:t>3/14/2018</a:t>
             </a:fld>
             <a:endParaRPr lang="en-US"/>
           </a:p>
@@ -3357,6 +3357,9 @@
           <a:prstGeom prst="rect">
             <a:avLst/>
           </a:prstGeom>
+          <a:solidFill>
+            <a:srgbClr val="92D050"/>
+          </a:solidFill>
         </p:spPr>
         <p:style>
           <a:lnRef idx="2">
@@ -3406,6 +3409,9 @@
           <a:prstGeom prst="rect">
             <a:avLst/>
           </a:prstGeom>
+          <a:solidFill>
+            <a:srgbClr val="00B0F0"/>
+          </a:solidFill>
         </p:spPr>
         <p:style>
           <a:lnRef idx="2">
@@ -3455,6 +3461,9 @@
           <a:prstGeom prst="rect">
             <a:avLst/>
           </a:prstGeom>
+          <a:solidFill>
+            <a:srgbClr val="FFFF00"/>
+          </a:solidFill>
         </p:spPr>
         <p:style>
           <a:lnRef idx="2">
@@ -3499,7 +3508,7 @@
         <p:spPr>
           <a:xfrm>
             <a:off x="2516434" y="4042925"/>
-            <a:ext cx="825867" cy="261610"/>
+            <a:ext cx="1798890" cy="261610"/>
           </a:xfrm>
           <a:prstGeom prst="rect">
             <a:avLst/>
@@ -3513,8 +3522,8 @@
           <a:lstStyle/>
           <a:p>
             <a:r>
-              <a:rPr lang="en-US" sz="1100" dirty="0"/>
-              <a:t>Vs.net Tool</a:t>
+              <a:rPr lang="en-US" sz="1100" b="1" dirty="0"/>
+              <a:t>G:\Jini\git\jenkins-example</a:t>
             </a:r>
           </a:p>
         </p:txBody>
@@ -3877,41 +3886,6 @@
       </p:cxnSp>
       <p:sp>
         <p:nvSpPr>
-          <p:cNvPr id="30" name="TextBox 29">
-            <a:extLst>
-              <a:ext uri="{FF2B5EF4-FFF2-40B4-BE49-F238E27FC236}">
-                <a16:creationId xmlns:a16="http://schemas.microsoft.com/office/drawing/2014/main" id="{A35A0600-0C2F-4B3D-AC4B-6B7563E4CF2E}"/>
-              </a:ext>
-            </a:extLst>
-          </p:cNvPr>
-          <p:cNvSpPr txBox="1"/>
-          <p:nvPr/>
-        </p:nvSpPr>
-        <p:spPr>
-          <a:xfrm>
-            <a:off x="3601136" y="3462070"/>
-            <a:ext cx="1529586" cy="261610"/>
-          </a:xfrm>
-          <a:prstGeom prst="rect">
-            <a:avLst/>
-          </a:prstGeom>
-          <a:noFill/>
-        </p:spPr>
-        <p:txBody>
-          <a:bodyPr wrap="none" rtlCol="0">
-            <a:spAutoFit/>
-          </a:bodyPr>
-          <a:lstStyle/>
-          <a:p>
-            <a:r>
-              <a:rPr lang="en-US" sz="1100" dirty="0"/>
-              <a:t>Trigger build on Jenkins</a:t>
-            </a:r>
-          </a:p>
-        </p:txBody>
-      </p:sp>
-      <p:sp>
-        <p:nvSpPr>
           <p:cNvPr id="32" name="Double Brace 31">
             <a:extLst>
               <a:ext uri="{FF2B5EF4-FFF2-40B4-BE49-F238E27FC236}">
@@ -3925,7 +3899,7 @@
         <p:spPr>
           <a:xfrm>
             <a:off x="6835967" y="2543343"/>
-            <a:ext cx="2396152" cy="1775658"/>
+            <a:ext cx="2396152" cy="1325146"/>
           </a:xfrm>
           <a:prstGeom prst="bracePair">
             <a:avLst/>
@@ -4000,6 +3974,59 @@
               <a:t>: build steps</a:t>
             </a:r>
           </a:p>
+          <a:p>
+            <a:r>
+              <a:rPr lang="en-US" sz="1000" b="1" dirty="0">
+                <a:solidFill>
+                  <a:srgbClr val="FF0000"/>
+                </a:solidFill>
+              </a:rPr>
+              <a:t>Post</a:t>
+            </a:r>
+            <a:r>
+              <a:rPr lang="ko-KR" altLang="en-US" sz="1000" b="1" dirty="0">
+                <a:solidFill>
+                  <a:srgbClr val="FF0000"/>
+                </a:solidFill>
+              </a:rPr>
+              <a:t> </a:t>
+            </a:r>
+            <a:r>
+              <a:rPr lang="en-US" altLang="ko-KR" sz="1000" b="1" dirty="0">
+                <a:solidFill>
+                  <a:srgbClr val="FF0000"/>
+                </a:solidFill>
+              </a:rPr>
+              <a:t>Build</a:t>
+            </a:r>
+            <a:r>
+              <a:rPr lang="ko-KR" altLang="en-US" sz="1000" b="1" dirty="0">
+                <a:solidFill>
+                  <a:srgbClr val="FF0000"/>
+                </a:solidFill>
+              </a:rPr>
+              <a:t> </a:t>
+            </a:r>
+            <a:r>
+              <a:rPr lang="en-US" altLang="ko-KR" sz="1000" b="1" dirty="0">
+                <a:solidFill>
+                  <a:srgbClr val="FF0000"/>
+                </a:solidFill>
+              </a:rPr>
+              <a:t>Action</a:t>
+            </a:r>
+            <a:r>
+              <a:rPr lang="en-US" sz="1000" b="1" dirty="0"/>
+              <a:t> </a:t>
+            </a:r>
+            <a:r>
+              <a:rPr lang="en-US" sz="1000" dirty="0"/>
+              <a:t>: Testing Result and Email Notification</a:t>
+            </a:r>
+          </a:p>
+          <a:p>
+            <a:endParaRPr lang="en-US" sz="1000" dirty="0"/>
+          </a:p>
         </p:txBody>
       </p:sp>
       <p:sp>
@@ -4016,7 +4043,7 @@
         </p:nvSpPr>
         <p:spPr>
           <a:xfrm>
-            <a:off x="7215549" y="2215921"/>
+            <a:off x="7215549" y="2412538"/>
             <a:ext cx="1636987" cy="261610"/>
           </a:xfrm>
           <a:prstGeom prst="rect">
@@ -4121,6 +4148,628 @@
               <a:buChar char="•"/>
             </a:pPr>
             <a:endParaRPr lang="en-US" sz="1000" dirty="0"/>
+          </a:p>
+        </p:txBody>
+      </p:sp>
+      <p:sp>
+        <p:nvSpPr>
+          <p:cNvPr id="19" name="TextBox 18">
+            <a:extLst>
+              <a:ext uri="{FF2B5EF4-FFF2-40B4-BE49-F238E27FC236}">
+                <a16:creationId xmlns:a16="http://schemas.microsoft.com/office/drawing/2014/main" id="{26D6B7EF-7D65-4C99-AEE8-B6AA07F62409}"/>
+              </a:ext>
+            </a:extLst>
+          </p:cNvPr>
+          <p:cNvSpPr txBox="1"/>
+          <p:nvPr/>
+        </p:nvSpPr>
+        <p:spPr>
+          <a:xfrm>
+            <a:off x="3476998" y="3495576"/>
+            <a:ext cx="1658437" cy="400110"/>
+          </a:xfrm>
+          <a:prstGeom prst="rect">
+            <a:avLst/>
+          </a:prstGeom>
+        </p:spPr>
+        <p:style>
+          <a:lnRef idx="1">
+            <a:schemeClr val="accent4"/>
+          </a:lnRef>
+          <a:fillRef idx="2">
+            <a:schemeClr val="accent4"/>
+          </a:fillRef>
+          <a:effectRef idx="1">
+            <a:schemeClr val="accent4"/>
+          </a:effectRef>
+          <a:fontRef idx="minor">
+            <a:schemeClr val="dk1"/>
+          </a:fontRef>
+        </p:style>
+        <p:txBody>
+          <a:bodyPr wrap="square" rtlCol="0">
+            <a:spAutoFit/>
+          </a:bodyPr>
+          <a:lstStyle/>
+          <a:p>
+            <a:r>
+              <a:rPr lang="en-US" sz="1000" dirty="0"/>
+              <a:t>3. Trigger build on Jenkins – Git Hook Deployment</a:t>
+            </a:r>
+          </a:p>
+        </p:txBody>
+      </p:sp>
+      <p:cxnSp>
+        <p:nvCxnSpPr>
+          <p:cNvPr id="10" name="Connector: Curved 9">
+            <a:extLst>
+              <a:ext uri="{FF2B5EF4-FFF2-40B4-BE49-F238E27FC236}">
+                <a16:creationId xmlns:a16="http://schemas.microsoft.com/office/drawing/2014/main" id="{BFD2DBC2-39AA-42A9-8476-B062F23C8C86}"/>
+              </a:ext>
+            </a:extLst>
+          </p:cNvPr>
+          <p:cNvCxnSpPr/>
+          <p:nvPr/>
+        </p:nvCxnSpPr>
+        <p:spPr>
+          <a:xfrm rot="16200000" flipV="1">
+            <a:off x="2133141" y="4391599"/>
+            <a:ext cx="2564176" cy="638978"/>
+          </a:xfrm>
+          <a:prstGeom prst="curvedConnector3">
+            <a:avLst/>
+          </a:prstGeom>
+          <a:ln>
+            <a:tailEnd type="triangle"/>
+          </a:ln>
+        </p:spPr>
+        <p:style>
+          <a:lnRef idx="1">
+            <a:schemeClr val="accent2"/>
+          </a:lnRef>
+          <a:fillRef idx="0">
+            <a:schemeClr val="accent2"/>
+          </a:fillRef>
+          <a:effectRef idx="0">
+            <a:schemeClr val="accent2"/>
+          </a:effectRef>
+          <a:fontRef idx="minor">
+            <a:schemeClr val="tx1"/>
+          </a:fontRef>
+        </p:style>
+      </p:cxnSp>
+      <p:sp>
+        <p:nvSpPr>
+          <p:cNvPr id="21" name="TextBox 20">
+            <a:extLst>
+              <a:ext uri="{FF2B5EF4-FFF2-40B4-BE49-F238E27FC236}">
+                <a16:creationId xmlns:a16="http://schemas.microsoft.com/office/drawing/2014/main" id="{9D814C37-7EDD-4EE0-B0DB-BB2CD879DB49}"/>
+              </a:ext>
+            </a:extLst>
+          </p:cNvPr>
+          <p:cNvSpPr txBox="1"/>
+          <p:nvPr/>
+        </p:nvSpPr>
+        <p:spPr>
+          <a:xfrm>
+            <a:off x="3758584" y="5543087"/>
+            <a:ext cx="3661580" cy="261610"/>
+          </a:xfrm>
+          <a:prstGeom prst="rect">
+            <a:avLst/>
+          </a:prstGeom>
+          <a:noFill/>
+        </p:spPr>
+        <p:txBody>
+          <a:bodyPr wrap="none" rtlCol="0">
+            <a:spAutoFit/>
+          </a:bodyPr>
+          <a:lstStyle/>
+          <a:p>
+            <a:r>
+              <a:rPr lang="en-US" sz="1100" dirty="0"/>
+              <a:t>Curl command script should be registered in post-receive file</a:t>
+            </a:r>
+          </a:p>
+        </p:txBody>
+      </p:sp>
+      <p:cxnSp>
+        <p:nvCxnSpPr>
+          <p:cNvPr id="11" name="Connector: Elbow 10">
+            <a:extLst>
+              <a:ext uri="{FF2B5EF4-FFF2-40B4-BE49-F238E27FC236}">
+                <a16:creationId xmlns:a16="http://schemas.microsoft.com/office/drawing/2014/main" id="{56FF0231-B669-4506-AD59-C66B6784B06F}"/>
+              </a:ext>
+            </a:extLst>
+          </p:cNvPr>
+          <p:cNvCxnSpPr>
+            <a:cxnSpLocks/>
+            <a:stCxn id="2" idx="2"/>
+            <a:endCxn id="24" idx="1"/>
+          </p:cNvCxnSpPr>
+          <p:nvPr/>
+        </p:nvCxnSpPr>
+        <p:spPr>
+          <a:xfrm rot="16200000" flipH="1">
+            <a:off x="5700477" y="4009188"/>
+            <a:ext cx="1183311" cy="392265"/>
+          </a:xfrm>
+          <a:prstGeom prst="bentConnector2">
+            <a:avLst/>
+          </a:prstGeom>
+          <a:ln>
+            <a:tailEnd type="triangle"/>
+          </a:ln>
+        </p:spPr>
+        <p:style>
+          <a:lnRef idx="1">
+            <a:schemeClr val="accent1"/>
+          </a:lnRef>
+          <a:fillRef idx="0">
+            <a:schemeClr val="accent1"/>
+          </a:fillRef>
+          <a:effectRef idx="0">
+            <a:schemeClr val="accent1"/>
+          </a:effectRef>
+          <a:fontRef idx="minor">
+            <a:schemeClr val="tx1"/>
+          </a:fontRef>
+        </p:style>
+      </p:cxnSp>
+      <p:sp>
+        <p:nvSpPr>
+          <p:cNvPr id="24" name="TextBox 23">
+            <a:extLst>
+              <a:ext uri="{FF2B5EF4-FFF2-40B4-BE49-F238E27FC236}">
+                <a16:creationId xmlns:a16="http://schemas.microsoft.com/office/drawing/2014/main" id="{F16713BF-400A-45D8-8A5E-195F05F3E20A}"/>
+              </a:ext>
+            </a:extLst>
+          </p:cNvPr>
+          <p:cNvSpPr txBox="1"/>
+          <p:nvPr/>
+        </p:nvSpPr>
+        <p:spPr>
+          <a:xfrm>
+            <a:off x="6488265" y="4073702"/>
+            <a:ext cx="3758682" cy="1446550"/>
+          </a:xfrm>
+          <a:prstGeom prst="rect">
+            <a:avLst/>
+          </a:prstGeom>
+          <a:noFill/>
+        </p:spPr>
+        <p:txBody>
+          <a:bodyPr wrap="square" rtlCol="0">
+            <a:spAutoFit/>
+          </a:bodyPr>
+          <a:lstStyle/>
+          <a:p>
+            <a:r>
+              <a:rPr lang="en-US" sz="1100" b="1" dirty="0"/>
+              <a:t>JENKINS MAIN PIPELINE</a:t>
+            </a:r>
+          </a:p>
+          <a:p>
+            <a:pPr marL="228600" indent="-228600">
+              <a:buFont typeface="+mj-lt"/>
+              <a:buAutoNum type="arabicPeriod"/>
+            </a:pPr>
+            <a:r>
+              <a:rPr lang="en-US" sz="1100" b="1" dirty="0"/>
+              <a:t>Build</a:t>
+            </a:r>
+          </a:p>
+          <a:p>
+            <a:pPr marL="628650" lvl="1" indent="-171450">
+              <a:buFont typeface="Arial" panose="020B0604020202020204" pitchFamily="34" charset="0"/>
+              <a:buChar char="•"/>
+            </a:pPr>
+            <a:r>
+              <a:rPr lang="en-US" sz="1100" dirty="0"/>
+              <a:t>Git Hook Deployment with Curl or</a:t>
+            </a:r>
+          </a:p>
+          <a:p>
+            <a:pPr marL="628650" lvl="1" indent="-171450">
+              <a:buFont typeface="Arial" panose="020B0604020202020204" pitchFamily="34" charset="0"/>
+              <a:buChar char="•"/>
+            </a:pPr>
+            <a:r>
+              <a:rPr lang="en-US" sz="1100" dirty="0"/>
+              <a:t>Manual Build</a:t>
+            </a:r>
+          </a:p>
+          <a:p>
+            <a:pPr marL="228600" indent="-228600">
+              <a:buFont typeface="+mj-lt"/>
+              <a:buAutoNum type="arabicPeriod"/>
+            </a:pPr>
+            <a:r>
+              <a:rPr lang="en-US" sz="1100" b="1" dirty="0"/>
+              <a:t>Unit Test</a:t>
+            </a:r>
+          </a:p>
+          <a:p>
+            <a:pPr marL="628650" lvl="1" indent="-171450">
+              <a:buFont typeface="Arial" panose="020B0604020202020204" pitchFamily="34" charset="0"/>
+              <a:buChar char="•"/>
+            </a:pPr>
+            <a:r>
+              <a:rPr lang="en-US" sz="1100" dirty="0"/>
+              <a:t>MS Unit Test is a kind of build process as well.</a:t>
+            </a:r>
+          </a:p>
+          <a:p>
+            <a:pPr marL="228600" indent="-228600">
+              <a:buFont typeface="+mj-lt"/>
+              <a:buAutoNum type="arabicPeriod"/>
+            </a:pPr>
+            <a:r>
+              <a:rPr lang="en-US" sz="1100" b="1" dirty="0"/>
+              <a:t>Report</a:t>
+            </a:r>
+          </a:p>
+          <a:p>
+            <a:pPr marL="228600" indent="-228600">
+              <a:buFont typeface="+mj-lt"/>
+              <a:buAutoNum type="arabicPeriod"/>
+            </a:pPr>
+            <a:r>
+              <a:rPr lang="en-US" sz="1100" b="1" dirty="0"/>
+              <a:t>Update or Add Issue over Jira</a:t>
+            </a:r>
+            <a:r>
+              <a:rPr lang="en-US" sz="1100" dirty="0"/>
+              <a:t> </a:t>
+            </a:r>
+          </a:p>
+        </p:txBody>
+      </p:sp>
+      <p:sp>
+        <p:nvSpPr>
+          <p:cNvPr id="29" name="TextBox 28">
+            <a:extLst>
+              <a:ext uri="{FF2B5EF4-FFF2-40B4-BE49-F238E27FC236}">
+                <a16:creationId xmlns:a16="http://schemas.microsoft.com/office/drawing/2014/main" id="{9D3BFC09-DF19-48B0-956C-9EFDEA0D8C50}"/>
+              </a:ext>
+            </a:extLst>
+          </p:cNvPr>
+          <p:cNvSpPr txBox="1"/>
+          <p:nvPr/>
+        </p:nvSpPr>
+        <p:spPr>
+          <a:xfrm>
+            <a:off x="2232557" y="1710299"/>
+            <a:ext cx="3063659" cy="261610"/>
+          </a:xfrm>
+          <a:prstGeom prst="rect">
+            <a:avLst/>
+          </a:prstGeom>
+          <a:noFill/>
+        </p:spPr>
+        <p:txBody>
+          <a:bodyPr wrap="none" rtlCol="0">
+            <a:spAutoFit/>
+          </a:bodyPr>
+          <a:lstStyle/>
+          <a:p>
+            <a:r>
+              <a:rPr lang="en-US" sz="1100" b="1" dirty="0"/>
+              <a:t>https://github.com/jinibyun/jenkins-example.git</a:t>
+            </a:r>
+          </a:p>
+        </p:txBody>
+      </p:sp>
+      <p:sp>
+        <p:nvSpPr>
+          <p:cNvPr id="30" name="TextBox 29">
+            <a:extLst>
+              <a:ext uri="{FF2B5EF4-FFF2-40B4-BE49-F238E27FC236}">
+                <a16:creationId xmlns:a16="http://schemas.microsoft.com/office/drawing/2014/main" id="{E4638556-FBF7-42AE-B062-D2CBAD5729B3}"/>
+              </a:ext>
+            </a:extLst>
+          </p:cNvPr>
+          <p:cNvSpPr txBox="1"/>
+          <p:nvPr/>
+        </p:nvSpPr>
+        <p:spPr>
+          <a:xfrm>
+            <a:off x="6735895" y="2036435"/>
+            <a:ext cx="3331361" cy="430887"/>
+          </a:xfrm>
+          <a:prstGeom prst="rect">
+            <a:avLst/>
+          </a:prstGeom>
+          <a:noFill/>
+        </p:spPr>
+        <p:txBody>
+          <a:bodyPr wrap="none" rtlCol="0">
+            <a:spAutoFit/>
+          </a:bodyPr>
+          <a:lstStyle/>
+          <a:p>
+            <a:r>
+              <a:rPr lang="en-US" sz="1100" dirty="0"/>
+              <a:t>For testing, Jenkins is installed on local computer</a:t>
+            </a:r>
+          </a:p>
+          <a:p>
+            <a:r>
+              <a:rPr lang="en-US" sz="1100" dirty="0"/>
+              <a:t>C:\Program Files (x86)\Jenkins\workspace\test console</a:t>
+            </a:r>
+          </a:p>
+        </p:txBody>
+      </p:sp>
+      <p:sp>
+        <p:nvSpPr>
+          <p:cNvPr id="28" name="TextBox 27">
+            <a:extLst>
+              <a:ext uri="{FF2B5EF4-FFF2-40B4-BE49-F238E27FC236}">
+                <a16:creationId xmlns:a16="http://schemas.microsoft.com/office/drawing/2014/main" id="{5A977116-F650-4DE5-90F8-812E179C1753}"/>
+              </a:ext>
+            </a:extLst>
+          </p:cNvPr>
+          <p:cNvSpPr txBox="1"/>
+          <p:nvPr/>
+        </p:nvSpPr>
+        <p:spPr>
+          <a:xfrm>
+            <a:off x="10246947" y="286439"/>
+            <a:ext cx="1717371" cy="3785652"/>
+          </a:xfrm>
+          <a:prstGeom prst="rect">
+            <a:avLst/>
+          </a:prstGeom>
+        </p:spPr>
+        <p:style>
+          <a:lnRef idx="2">
+            <a:schemeClr val="accent4"/>
+          </a:lnRef>
+          <a:fillRef idx="1">
+            <a:schemeClr val="lt1"/>
+          </a:fillRef>
+          <a:effectRef idx="0">
+            <a:schemeClr val="accent4"/>
+          </a:effectRef>
+          <a:fontRef idx="minor">
+            <a:schemeClr val="dk1"/>
+          </a:fontRef>
+        </p:style>
+        <p:txBody>
+          <a:bodyPr wrap="square" rtlCol="0">
+            <a:spAutoFit/>
+          </a:bodyPr>
+          <a:lstStyle/>
+          <a:p>
+            <a:r>
+              <a:rPr lang="en-US" sz="1000" dirty="0"/>
+              <a:t>RESOURCE</a:t>
+            </a:r>
+          </a:p>
+          <a:p>
+            <a:endParaRPr lang="en-US" sz="1000" dirty="0"/>
+          </a:p>
+          <a:p>
+            <a:r>
+              <a:rPr lang="en-US" sz="1000" dirty="0">
+                <a:hlinkClick r:id="rId3"/>
+              </a:rPr>
+              <a:t>https://blog.dangl.me/archive/basic-jenkins-configuration-for-dotnet-continuous-integration/</a:t>
+            </a:r>
+            <a:endParaRPr lang="en-US" sz="1000" dirty="0"/>
+          </a:p>
+          <a:p>
+            <a:endParaRPr lang="en-US" sz="1000" dirty="0"/>
+          </a:p>
+          <a:p>
+            <a:r>
+              <a:rPr lang="en-US" sz="1000" dirty="0">
+                <a:hlinkClick r:id="rId4"/>
+              </a:rPr>
+              <a:t>https://www.swtestacademy.com/jenkins-dotnet-integration/</a:t>
+            </a:r>
+            <a:endParaRPr lang="en-US" sz="1000" dirty="0"/>
+          </a:p>
+          <a:p>
+            <a:endParaRPr lang="en-US" sz="1000" dirty="0"/>
+          </a:p>
+          <a:p>
+            <a:r>
+              <a:rPr lang="en-US" sz="1000" dirty="0">
+                <a:hlinkClick r:id="rId5"/>
+              </a:rPr>
+              <a:t>https://stackoverflow.com/questions/21112717/error-trying-to-run-mstest-on-jenkins</a:t>
+            </a:r>
+            <a:endParaRPr lang="en-US" sz="1000" dirty="0"/>
+          </a:p>
+          <a:p>
+            <a:endParaRPr lang="en-US" sz="1000" dirty="0"/>
+          </a:p>
+          <a:p>
+            <a:r>
+              <a:rPr lang="en-US" sz="1000" dirty="0">
+                <a:hlinkClick r:id="rId6"/>
+              </a:rPr>
+              <a:t>https://stackoverflow.com/questions/12794568/how-to-configure-git-post-commit-hook</a:t>
+            </a:r>
+            <a:endParaRPr lang="en-US" sz="1000" dirty="0"/>
+          </a:p>
+          <a:p>
+            <a:endParaRPr lang="en-US" sz="1000" dirty="0"/>
+          </a:p>
+          <a:p>
+            <a:endParaRPr lang="en-US" sz="1000" dirty="0"/>
+          </a:p>
+          <a:p>
+            <a:endParaRPr lang="en-US" sz="1000" dirty="0"/>
+          </a:p>
+          <a:p>
+            <a:endParaRPr lang="en-US" sz="1000" dirty="0"/>
+          </a:p>
+        </p:txBody>
+      </p:sp>
+      <p:sp>
+        <p:nvSpPr>
+          <p:cNvPr id="36" name="TextBox 35">
+            <a:extLst>
+              <a:ext uri="{FF2B5EF4-FFF2-40B4-BE49-F238E27FC236}">
+                <a16:creationId xmlns:a16="http://schemas.microsoft.com/office/drawing/2014/main" id="{3CE5967F-DC08-47B8-9670-0503A16C94AF}"/>
+              </a:ext>
+            </a:extLst>
+          </p:cNvPr>
+          <p:cNvSpPr txBox="1"/>
+          <p:nvPr/>
+        </p:nvSpPr>
+        <p:spPr>
+          <a:xfrm>
+            <a:off x="6095999" y="1084161"/>
+            <a:ext cx="1279793" cy="369332"/>
+          </a:xfrm>
+          <a:prstGeom prst="rect">
+            <a:avLst/>
+          </a:prstGeom>
+          <a:solidFill>
+            <a:srgbClr val="F183CA"/>
+          </a:solidFill>
+        </p:spPr>
+        <p:style>
+          <a:lnRef idx="2">
+            <a:schemeClr val="accent1"/>
+          </a:lnRef>
+          <a:fillRef idx="1">
+            <a:schemeClr val="lt1"/>
+          </a:fillRef>
+          <a:effectRef idx="0">
+            <a:schemeClr val="accent1"/>
+          </a:effectRef>
+          <a:fontRef idx="minor">
+            <a:schemeClr val="dk1"/>
+          </a:fontRef>
+        </p:style>
+        <p:txBody>
+          <a:bodyPr wrap="square" rtlCol="0">
+            <a:spAutoFit/>
+          </a:bodyPr>
+          <a:lstStyle/>
+          <a:p>
+            <a:pPr algn="ctr"/>
+            <a:r>
+              <a:rPr lang="en-US" dirty="0"/>
+              <a:t>JIRA</a:t>
+            </a:r>
+          </a:p>
+        </p:txBody>
+      </p:sp>
+      <p:cxnSp>
+        <p:nvCxnSpPr>
+          <p:cNvPr id="38" name="Connector: Elbow 37">
+            <a:extLst>
+              <a:ext uri="{FF2B5EF4-FFF2-40B4-BE49-F238E27FC236}">
+                <a16:creationId xmlns:a16="http://schemas.microsoft.com/office/drawing/2014/main" id="{FE74E748-9F5B-4CC6-8AFE-BA3955E4640D}"/>
+              </a:ext>
+            </a:extLst>
+          </p:cNvPr>
+          <p:cNvCxnSpPr>
+            <a:stCxn id="2" idx="0"/>
+            <a:endCxn id="36" idx="2"/>
+          </p:cNvCxnSpPr>
+          <p:nvPr/>
+        </p:nvCxnSpPr>
+        <p:spPr>
+          <a:xfrm rot="5400000" flipH="1" flipV="1">
+            <a:off x="5520528" y="2028966"/>
+            <a:ext cx="1790841" cy="639896"/>
+          </a:xfrm>
+          <a:prstGeom prst="bentConnector3">
+            <a:avLst/>
+          </a:prstGeom>
+          <a:ln>
+            <a:tailEnd type="triangle"/>
+          </a:ln>
+        </p:spPr>
+        <p:style>
+          <a:lnRef idx="1">
+            <a:schemeClr val="accent1"/>
+          </a:lnRef>
+          <a:fillRef idx="0">
+            <a:schemeClr val="accent1"/>
+          </a:fillRef>
+          <a:effectRef idx="0">
+            <a:schemeClr val="accent1"/>
+          </a:effectRef>
+          <a:fontRef idx="minor">
+            <a:schemeClr val="tx1"/>
+          </a:fontRef>
+        </p:style>
+      </p:cxnSp>
+      <p:sp>
+        <p:nvSpPr>
+          <p:cNvPr id="39" name="TextBox 38">
+            <a:extLst>
+              <a:ext uri="{FF2B5EF4-FFF2-40B4-BE49-F238E27FC236}">
+                <a16:creationId xmlns:a16="http://schemas.microsoft.com/office/drawing/2014/main" id="{12471F7D-9581-4FA8-B6F5-978161CA1C63}"/>
+              </a:ext>
+            </a:extLst>
+          </p:cNvPr>
+          <p:cNvSpPr txBox="1"/>
+          <p:nvPr/>
+        </p:nvSpPr>
+        <p:spPr>
+          <a:xfrm>
+            <a:off x="5423945" y="3657507"/>
+            <a:ext cx="1467068" cy="261610"/>
+          </a:xfrm>
+          <a:prstGeom prst="rect">
+            <a:avLst/>
+          </a:prstGeom>
+          <a:noFill/>
+        </p:spPr>
+        <p:txBody>
+          <a:bodyPr wrap="none" rtlCol="0">
+            <a:spAutoFit/>
+          </a:bodyPr>
+          <a:lstStyle/>
+          <a:p>
+            <a:r>
+              <a:rPr lang="en-US" sz="1100" b="1" dirty="0"/>
+              <a:t>Http://localhost:7070</a:t>
+            </a:r>
+          </a:p>
+        </p:txBody>
+      </p:sp>
+      <p:sp>
+        <p:nvSpPr>
+          <p:cNvPr id="40" name="TextBox 39">
+            <a:extLst>
+              <a:ext uri="{FF2B5EF4-FFF2-40B4-BE49-F238E27FC236}">
+                <a16:creationId xmlns:a16="http://schemas.microsoft.com/office/drawing/2014/main" id="{6132A125-E065-4E6A-BA98-D840D77F5DAD}"/>
+              </a:ext>
+            </a:extLst>
+          </p:cNvPr>
+          <p:cNvSpPr txBox="1"/>
+          <p:nvPr/>
+        </p:nvSpPr>
+        <p:spPr>
+          <a:xfrm>
+            <a:off x="6802147" y="1453493"/>
+            <a:ext cx="1467068" cy="261610"/>
+          </a:xfrm>
+          <a:prstGeom prst="rect">
+            <a:avLst/>
+          </a:prstGeom>
+          <a:noFill/>
+        </p:spPr>
+        <p:txBody>
+          <a:bodyPr wrap="none" rtlCol="0">
+            <a:spAutoFit/>
+          </a:bodyPr>
+          <a:lstStyle/>
+          <a:p>
+            <a:r>
+              <a:rPr lang="en-US" sz="1100" b="1" dirty="0"/>
+              <a:t>Http://localhost:8080</a:t>
+            </a:r>
           </a:p>
         </p:txBody>
       </p:sp>

--- a/Summary Presentation.pptx
+++ b/Summary Presentation.pptx
@@ -4516,7 +4516,7 @@
         <p:spPr>
           <a:xfrm>
             <a:off x="10246947" y="286439"/>
-            <a:ext cx="1717371" cy="3785652"/>
+            <a:ext cx="1717371" cy="4247317"/>
           </a:xfrm>
           <a:prstGeom prst="rect">
             <a:avLst/>
@@ -4599,6 +4599,12 @@
             <a:endParaRPr lang="en-US" sz="1000" dirty="0"/>
           </a:p>
           <a:p>
+            <a:r>
+              <a:rPr lang="en-US" sz="1000" dirty="0">
+                <a:hlinkClick r:id="rId7"/>
+              </a:rPr>
+              <a:t>https://docs.acquia.com/article/integrating-jira-github-jenkins-and-slack-your-workflow</a:t>
+            </a:r>
             <a:endParaRPr lang="en-US" sz="1000" dirty="0"/>
           </a:p>
           <a:p>
@@ -4769,6 +4775,97 @@
             <a:r>
               <a:rPr lang="en-US" sz="1100" b="1" dirty="0"/>
               <a:t>Http://localhost:8080</a:t>
+            </a:r>
+          </a:p>
+        </p:txBody>
+      </p:sp>
+      <p:sp>
+        <p:nvSpPr>
+          <p:cNvPr id="42" name="TextBox 41">
+            <a:extLst>
+              <a:ext uri="{FF2B5EF4-FFF2-40B4-BE49-F238E27FC236}">
+                <a16:creationId xmlns:a16="http://schemas.microsoft.com/office/drawing/2014/main" id="{815B3932-ECFB-439B-A692-68C6C982CC47}"/>
+              </a:ext>
+            </a:extLst>
+          </p:cNvPr>
+          <p:cNvSpPr txBox="1"/>
+          <p:nvPr/>
+        </p:nvSpPr>
+        <p:spPr>
+          <a:xfrm>
+            <a:off x="3417625" y="283924"/>
+            <a:ext cx="1279793" cy="369332"/>
+          </a:xfrm>
+          <a:prstGeom prst="rect">
+            <a:avLst/>
+          </a:prstGeom>
+          <a:solidFill>
+            <a:srgbClr val="002060"/>
+          </a:solidFill>
+        </p:spPr>
+        <p:style>
+          <a:lnRef idx="2">
+            <a:schemeClr val="accent1"/>
+          </a:lnRef>
+          <a:fillRef idx="1">
+            <a:schemeClr val="lt1"/>
+          </a:fillRef>
+          <a:effectRef idx="0">
+            <a:schemeClr val="accent1"/>
+          </a:effectRef>
+          <a:fontRef idx="minor">
+            <a:schemeClr val="dk1"/>
+          </a:fontRef>
+        </p:style>
+        <p:txBody>
+          <a:bodyPr wrap="square" rtlCol="0">
+            <a:spAutoFit/>
+          </a:bodyPr>
+          <a:lstStyle/>
+          <a:p>
+            <a:pPr algn="ctr"/>
+            <a:r>
+              <a:rPr lang="en-US" dirty="0">
+                <a:solidFill>
+                  <a:schemeClr val="bg1"/>
+                </a:solidFill>
+              </a:rPr>
+              <a:t>SLACK</a:t>
+            </a:r>
+          </a:p>
+        </p:txBody>
+      </p:sp>
+      <p:sp>
+        <p:nvSpPr>
+          <p:cNvPr id="43" name="TextBox 42">
+            <a:extLst>
+              <a:ext uri="{FF2B5EF4-FFF2-40B4-BE49-F238E27FC236}">
+                <a16:creationId xmlns:a16="http://schemas.microsoft.com/office/drawing/2014/main" id="{309B3392-FEE6-4B7E-9D0B-826AB390C05D}"/>
+              </a:ext>
+            </a:extLst>
+          </p:cNvPr>
+          <p:cNvSpPr txBox="1"/>
+          <p:nvPr/>
+        </p:nvSpPr>
+        <p:spPr>
+          <a:xfrm>
+            <a:off x="3332231" y="718742"/>
+            <a:ext cx="1947969" cy="261610"/>
+          </a:xfrm>
+          <a:prstGeom prst="rect">
+            <a:avLst/>
+          </a:prstGeom>
+          <a:noFill/>
+        </p:spPr>
+        <p:txBody>
+          <a:bodyPr wrap="none" rtlCol="0">
+            <a:spAutoFit/>
+          </a:bodyPr>
+          <a:lstStyle/>
+          <a:p>
+            <a:r>
+              <a:rPr lang="en-US" sz="1100" b="1" dirty="0"/>
+              <a:t>perfectwebsolution.slack.com</a:t>
             </a:r>
           </a:p>
         </p:txBody>
